--- a/Construction Site Pedestrian Simulation with Moving Obstacles.pptx
+++ b/Construction Site Pedestrian Simulation with Moving Obstacles.pptx
@@ -250,7 +250,7 @@
           <a:p>
             <a:fld id="{87381A24-1AD9-489B-963E-510AB5ED6E8B}" type="datetimeFigureOut">
               <a:rPr lang="en-GB" smtClean="0"/>
-              <a:t>06/05/2016</a:t>
+              <a:t>12/05/2016</a:t>
             </a:fld>
             <a:endParaRPr lang="en-GB"/>
           </a:p>
@@ -723,7 +723,7 @@
           <a:p>
             <a:fld id="{4953582A-16D0-43FC-8FD1-BBB1CD668905}" type="datetime1">
               <a:rPr lang="en-US" smtClean="0"/>
-              <a:t>5/6/2016</a:t>
+              <a:t>5/12/2016</a:t>
             </a:fld>
             <a:endParaRPr lang="en-US" dirty="0"/>
           </a:p>
@@ -991,7 +991,7 @@
           <a:p>
             <a:fld id="{81487064-7180-4246-8A04-434FCED99C34}" type="datetime1">
               <a:rPr lang="en-US" smtClean="0"/>
-              <a:t>5/6/2016</a:t>
+              <a:t>5/12/2016</a:t>
             </a:fld>
             <a:endParaRPr lang="en-US" dirty="0"/>
           </a:p>
@@ -1306,7 +1306,7 @@
           <a:p>
             <a:fld id="{27E56FA9-49D0-4EE6-B26E-1EC450F64108}" type="datetime1">
               <a:rPr lang="en-US" smtClean="0"/>
-              <a:t>5/6/2016</a:t>
+              <a:t>5/12/2016</a:t>
             </a:fld>
             <a:endParaRPr lang="en-US" dirty="0"/>
           </a:p>
@@ -1648,7 +1648,7 @@
           <a:p>
             <a:fld id="{267FF6E3-6617-4847-9D0F-8C28A79913D8}" type="datetime1">
               <a:rPr lang="en-US" smtClean="0"/>
-              <a:t>5/6/2016</a:t>
+              <a:t>5/12/2016</a:t>
             </a:fld>
             <a:endParaRPr lang="en-US" dirty="0"/>
           </a:p>
@@ -1963,7 +1963,7 @@
           <a:p>
             <a:fld id="{2F0AE7CF-C32C-4B95-B6C9-A733372E7A02}" type="datetime1">
               <a:rPr lang="en-US" smtClean="0"/>
-              <a:t>5/6/2016</a:t>
+              <a:t>5/12/2016</a:t>
             </a:fld>
             <a:endParaRPr lang="en-US" dirty="0"/>
           </a:p>
@@ -2357,7 +2357,7 @@
           <a:p>
             <a:fld id="{EC77335F-61DC-4E05-9C0D-D0478BF80913}" type="datetime1">
               <a:rPr lang="en-US" smtClean="0"/>
-              <a:t>5/6/2016</a:t>
+              <a:t>5/12/2016</a:t>
             </a:fld>
             <a:endParaRPr lang="en-US" dirty="0"/>
           </a:p>
@@ -2528,7 +2528,7 @@
           <a:p>
             <a:fld id="{67E16553-1759-48B7-8583-C083C290A204}" type="datetime1">
               <a:rPr lang="en-US" smtClean="0"/>
-              <a:t>5/6/2016</a:t>
+              <a:t>5/12/2016</a:t>
             </a:fld>
             <a:endParaRPr lang="en-US" dirty="0"/>
           </a:p>
@@ -2709,7 +2709,7 @@
           <a:p>
             <a:fld id="{9F468F5A-8A1A-4A23-BBF9-EECE1CFA4073}" type="datetime1">
               <a:rPr lang="en-US" smtClean="0"/>
-              <a:t>5/6/2016</a:t>
+              <a:t>5/12/2016</a:t>
             </a:fld>
             <a:endParaRPr lang="en-US" dirty="0"/>
           </a:p>
@@ -2886,7 +2886,7 @@
           <a:p>
             <a:fld id="{F23D15AA-DCC1-42A5-B8C5-A59E2FBDEF97}" type="datetime1">
               <a:rPr lang="en-US" smtClean="0"/>
-              <a:t>5/6/2016</a:t>
+              <a:t>5/12/2016</a:t>
             </a:fld>
             <a:endParaRPr lang="en-US" dirty="0"/>
           </a:p>
@@ -3150,7 +3150,7 @@
           <a:p>
             <a:fld id="{012DA271-2EBE-42AD-9D93-4AD1D8FD2A5C}" type="datetime1">
               <a:rPr lang="en-US" smtClean="0"/>
-              <a:t>5/6/2016</a:t>
+              <a:t>5/12/2016</a:t>
             </a:fld>
             <a:endParaRPr lang="en-US" dirty="0"/>
           </a:p>
@@ -3390,7 +3390,7 @@
           <a:p>
             <a:fld id="{17AD3ED0-1520-4E69-84CB-EFE4EFFCA6EA}" type="datetime1">
               <a:rPr lang="en-US" smtClean="0"/>
-              <a:t>5/6/2016</a:t>
+              <a:t>5/12/2016</a:t>
             </a:fld>
             <a:endParaRPr lang="en-US" dirty="0"/>
           </a:p>
@@ -3765,7 +3765,7 @@
           <a:p>
             <a:fld id="{AF366E3E-5661-45D2-8396-7019D247F8E6}" type="datetime1">
               <a:rPr lang="en-US" smtClean="0"/>
-              <a:t>5/6/2016</a:t>
+              <a:t>5/12/2016</a:t>
             </a:fld>
             <a:endParaRPr lang="en-US" dirty="0"/>
           </a:p>
@@ -3889,7 +3889,7 @@
           <a:p>
             <a:fld id="{55B00A62-3F36-43EB-93A8-FD0E5CBD5144}" type="datetime1">
               <a:rPr lang="en-US" smtClean="0"/>
-              <a:t>5/6/2016</a:t>
+              <a:t>5/12/2016</a:t>
             </a:fld>
             <a:endParaRPr lang="en-US" dirty="0"/>
           </a:p>
@@ -3985,7 +3985,7 @@
           <a:p>
             <a:fld id="{0BEFF1DE-B26E-488B-A1A1-E923145DC26E}" type="datetime1">
               <a:rPr lang="en-US" smtClean="0"/>
-              <a:t>5/6/2016</a:t>
+              <a:t>5/12/2016</a:t>
             </a:fld>
             <a:endParaRPr lang="en-US" dirty="0"/>
           </a:p>
@@ -4241,7 +4241,7 @@
           <a:p>
             <a:fld id="{559BE441-077D-4F60-B3C6-CA30860CC88C}" type="datetime1">
               <a:rPr lang="en-US" smtClean="0"/>
-              <a:t>5/6/2016</a:t>
+              <a:t>5/12/2016</a:t>
             </a:fld>
             <a:endParaRPr lang="en-US" dirty="0"/>
           </a:p>
@@ -4505,7 +4505,7 @@
           <a:p>
             <a:fld id="{C2B4FAE7-8097-4E08-9164-E23CDFC59C8E}" type="datetime1">
               <a:rPr lang="en-US" smtClean="0"/>
-              <a:t>5/6/2016</a:t>
+              <a:t>5/12/2016</a:t>
             </a:fld>
             <a:endParaRPr lang="en-US" dirty="0"/>
           </a:p>
@@ -5249,7 +5249,7 @@
           <a:p>
             <a:fld id="{CB3BD46B-9A2B-4F54-BB27-CDD3EFBC7A0A}" type="datetime1">
               <a:rPr lang="en-US" smtClean="0"/>
-              <a:t>5/6/2016</a:t>
+              <a:t>5/12/2016</a:t>
             </a:fld>
             <a:endParaRPr lang="en-US" dirty="0"/>
           </a:p>
@@ -7636,7 +7636,19 @@
           <a:p>
             <a:r>
               <a:rPr lang="en-GB" sz="2000" dirty="0" smtClean="0"/>
-              <a:t>Current pedestrian simulation don’t consider moving obstacles.</a:t>
+              <a:t>Current pedestrian </a:t>
+            </a:r>
+            <a:r>
+              <a:rPr lang="en-GB" sz="2000" smtClean="0"/>
+              <a:t>simulation </a:t>
+            </a:r>
+            <a:r>
+              <a:rPr lang="en-GB" sz="2000" smtClean="0"/>
+              <a:t>doesn’t </a:t>
+            </a:r>
+            <a:r>
+              <a:rPr lang="en-GB" sz="2000" dirty="0" smtClean="0"/>
+              <a:t>consider moving obstacles.</a:t>
             </a:r>
           </a:p>
           <a:p>
